--- a/LDS_Block_2_Lead.pptx
+++ b/LDS_Block_2_Lead.pptx
@@ -284,7 +284,7 @@
   </p:defaultTextStyle>
   <p:extLst>
     <p:ext uri="GoogleSlidesCustomDataVersion2">
-      <go:slidesCustomData xmlns:go="http://customooxmlschemas.google.com/" r:id="rId40" roundtripDataSignature="AMtx7mhd3FoNuyLDj+ISqpuY7RQPhg5+ig=="/>
+      <go:slidesCustomData xmlns:go="http://customooxmlschemas.google.com/" r:id="rId40" roundtripDataSignature="AMtx7miB6Jf62VujByauEVslFxIGYOtrOw=="/>
     </p:ext>
   </p:extLst>
 </p:presentation>
@@ -14341,7 +14341,7 @@
                   <a:srgbClr val="000000"/>
                 </a:solidFill>
               </a:rPr>
-              <a:t> (Batch + CDC) → Snowflake </a:t>
+              <a:t> (Batch + CDC) / Kafka → Snowflake </a:t>
             </a:r>
             <a:r>
               <a:rPr b="1" lang="fr" sz="1000">
@@ -14424,7 +14424,7 @@
                   <a:srgbClr val="000000"/>
                 </a:solidFill>
               </a:rPr>
-              <a:t> (batch) ou </a:t>
+              <a:t> (batch) / </a:t>
             </a:r>
             <a:r>
               <a:rPr b="1" lang="fr" sz="1000">
@@ -15358,7 +15358,7 @@
             <a:tbl>
               <a:tblPr>
                 <a:noFill/>
-                <a:tableStyleId>{7E6B49BF-D7DE-49C0-A12C-EF09482CAE8A}</a:tableStyleId>
+                <a:tableStyleId>{66992DCF-B60A-47D9-B024-17E8E8111B95}</a:tableStyleId>
               </a:tblPr>
               <a:tblGrid>
                 <a:gridCol w="2413000"/>
@@ -16546,7 +16546,7 @@
             </a:r>
             <a:r>
               <a:rPr lang="fr" sz="1100"/>
-              <a:t>→ Rôles métiers distincts (Analyst, DS, Dev, Ops, Compliance) avec masquage dynamique des données sensibles.</a:t>
+              <a:t>→ Rôles métiers distincts (Analystes, DS, Dev, Ops, Conformité) avec masquage dynamique des données sensibles.</a:t>
             </a:r>
             <a:endParaRPr sz="1100"/>
           </a:p>
@@ -16616,7 +16616,7 @@
             </a:r>
             <a:r>
               <a:rPr lang="fr" sz="1100"/>
-              <a:t> : pseudonymisation, hachage, droit à l’oubli automatisé.</a:t>
+              <a:t> : pseudonymisation, droit à l’oubli automatisé, rétention  des données.</a:t>
             </a:r>
             <a:endParaRPr sz="1100"/>
           </a:p>
@@ -17479,8 +17479,8 @@
         </p:blipFill>
         <p:spPr>
           <a:xfrm>
-            <a:off x="1298275" y="350100"/>
-            <a:ext cx="5362075" cy="4757600"/>
+            <a:off x="1276050" y="665425"/>
+            <a:ext cx="4663065" cy="4305599"/>
           </a:xfrm>
           <a:prstGeom prst="rect">
             <a:avLst/>
@@ -17904,7 +17904,7 @@
             </a:pPr>
             <a:r>
               <a:rPr lang="fr" sz="1000"/>
-              <a:t>Résultats accessibles via Tableau &amp; Evidently</a:t>
+              <a:t>Résultats accessibles via Tableau, Streamlit &amp; Evidently</a:t>
             </a:r>
             <a:endParaRPr sz="1000"/>
           </a:p>
@@ -17990,7 +17990,11 @@
             </a:pPr>
             <a:r>
               <a:rPr b="1" lang="fr" sz="1000"/>
-              <a:t>CI/CD avec Jenkins (orchestré par Airflow)</a:t>
+              <a:t>Réentrainement : </a:t>
+            </a:r>
+            <a:r>
+              <a:rPr b="1" lang="fr" sz="1000"/>
+              <a:t>CI/CD avec Jenkins (orchestré par Airflow) -&gt; EKS/RAY</a:t>
             </a:r>
             <a:endParaRPr b="1" sz="1000"/>
           </a:p>
@@ -20449,14 +20453,14 @@
               <a:buNone/>
             </a:pPr>
             <a:r>
-              <a:rPr b="1" lang="fr" sz="800">
+              <a:rPr b="1" lang="fr" sz="1000">
                 <a:solidFill>
                   <a:schemeClr val="lt1"/>
                 </a:solidFill>
               </a:rPr>
               <a:t>Conclusion – Architecture de données Stripe</a:t>
             </a:r>
-            <a:endParaRPr b="1" sz="800">
+            <a:endParaRPr b="1" sz="1000">
               <a:solidFill>
                 <a:schemeClr val="lt1"/>
               </a:solidFill>
@@ -20481,14 +20485,14 @@
               <a:buNone/>
             </a:pPr>
             <a:r>
-              <a:rPr b="1" lang="fr" sz="800">
+              <a:rPr b="1" lang="fr" sz="1000">
                 <a:solidFill>
                   <a:schemeClr val="lt1"/>
                 </a:solidFill>
               </a:rPr>
               <a:t>Le projet Stripe Data Architecture propose une infrastructure unifiée, scalable et sécurisée permettant d’exploiter de manière cohérente les données transactionnelles (OLTP), analytiques (OLAP) et non structurées (NoSQL).</a:t>
             </a:r>
-            <a:endParaRPr b="1" sz="800">
+            <a:endParaRPr b="1" sz="1000">
               <a:solidFill>
                 <a:schemeClr val="lt1"/>
               </a:solidFill>
@@ -20513,14 +20517,14 @@
               <a:buNone/>
             </a:pPr>
             <a:r>
-              <a:rPr b="1" lang="fr" sz="800">
+              <a:rPr b="1" lang="fr" sz="1000">
                 <a:solidFill>
                   <a:schemeClr val="lt1"/>
                 </a:solidFill>
               </a:rPr>
               <a:t>Cette architecture repose sur une approche modulaire et orientée cloud, construite autour de technologies complémentaires :</a:t>
             </a:r>
-            <a:endParaRPr b="1" sz="800">
+            <a:endParaRPr b="1" sz="1000">
               <a:solidFill>
                 <a:schemeClr val="lt1"/>
               </a:solidFill>
@@ -20540,7 +20544,7 @@
               <a:buNone/>
             </a:pPr>
             <a:r>
-              <a:rPr b="1" lang="fr" sz="800">
+              <a:rPr b="1" lang="fr" sz="1000">
                 <a:solidFill>
                   <a:schemeClr val="lt1"/>
                 </a:solidFill>
@@ -20548,14 +20552,14 @@
               <a:t>PostgreSQL (RDS) pour la fiabilité transactionnelle,</a:t>
             </a:r>
             <a:br>
-              <a:rPr b="1" lang="fr" sz="800">
+              <a:rPr b="1" lang="fr" sz="1000">
                 <a:solidFill>
                   <a:schemeClr val="lt1"/>
                 </a:solidFill>
               </a:rPr>
             </a:br>
             <a:r>
-              <a:rPr b="1" lang="fr" sz="800">
+              <a:rPr b="1" lang="fr" sz="1000">
                 <a:solidFill>
                   <a:schemeClr val="lt1"/>
                 </a:solidFill>
@@ -20563,14 +20567,14 @@
               <a:t>	MongoDB Atlas pour la flexibilité des données semi-structurées,</a:t>
             </a:r>
             <a:br>
-              <a:rPr b="1" lang="fr" sz="800">
+              <a:rPr b="1" lang="fr" sz="1000">
                 <a:solidFill>
                   <a:schemeClr val="lt1"/>
                 </a:solidFill>
               </a:rPr>
             </a:br>
             <a:r>
-              <a:rPr b="1" lang="fr" sz="800">
+              <a:rPr b="1" lang="fr" sz="1000">
                 <a:solidFill>
                   <a:schemeClr val="lt1"/>
                 </a:solidFill>
@@ -20578,14 +20582,14 @@
               <a:t>	Snowflake pour la performance analytique et la gouvernance,</a:t>
             </a:r>
             <a:br>
-              <a:rPr b="1" lang="fr" sz="800">
+              <a:rPr b="1" lang="fr" sz="1000">
                 <a:solidFill>
                   <a:schemeClr val="lt1"/>
                 </a:solidFill>
               </a:rPr>
             </a:br>
             <a:r>
-              <a:rPr b="1" lang="fr" sz="800">
+              <a:rPr b="1" lang="fr" sz="1000">
                 <a:solidFill>
                   <a:schemeClr val="lt1"/>
                 </a:solidFill>
@@ -20593,28 +20597,28 @@
               <a:t>	Airbyte, dbt et Airflow pour l’ingestion, la transformation et l’orchestration des pipelines de données,</a:t>
             </a:r>
             <a:br>
-              <a:rPr b="1" lang="fr" sz="800">
+              <a:rPr b="1" lang="fr" sz="1000">
                 <a:solidFill>
                   <a:schemeClr val="lt1"/>
                 </a:solidFill>
               </a:rPr>
             </a:br>
             <a:r>
-              <a:rPr b="1" lang="fr" sz="800">
+              <a:rPr b="1" lang="fr" sz="1000">
                 <a:solidFill>
                   <a:schemeClr val="lt1"/>
                 </a:solidFill>
               </a:rPr>
-              <a:t>	EKS / Ray, MLflow et FastAPI pour l’entraînement, le déploiement et le suivi des modèles d’intelligence artificielle.</a:t>
+              <a:t>	Pipelines Jenkins CI / CD, EKS / Ray, MLflow et FastAPI pour l’entraînement, le déploiement et le suivi des modèles d’intelligence artificielle.</a:t>
             </a:r>
             <a:br>
-              <a:rPr b="1" lang="fr" sz="800">
+              <a:rPr b="1" lang="fr" sz="1000">
                 <a:solidFill>
                   <a:schemeClr val="lt1"/>
                 </a:solidFill>
               </a:rPr>
             </a:br>
-            <a:endParaRPr b="1" sz="800">
+            <a:endParaRPr b="1" sz="1000">
               <a:solidFill>
                 <a:schemeClr val="lt1"/>
               </a:solidFill>
@@ -20639,14 +20643,14 @@
               <a:buNone/>
             </a:pPr>
             <a:r>
-              <a:rPr b="1" lang="fr" sz="800">
+              <a:rPr b="1" lang="fr" sz="1000">
                 <a:solidFill>
                   <a:schemeClr val="lt1"/>
                 </a:solidFill>
               </a:rPr>
-              <a:t>L’ensemble forme une chaîne ELT complète et automatisée, capable d’alimenter la Business Intelligence (Tableau), les modèles de Machine Learning (LightGBM, LSTM), les processus de monitoring continu, et de continuous training (Evidently, Jenkins CI/CD, CT).</a:t>
-            </a:r>
-            <a:endParaRPr b="1" sz="800">
+              <a:t>L’ensemble forme une chaîne ELT complète et automatisée, capable d’alimenter la Business Intelligence (Tableau), les modèles de Machine Learning, les processus de monitoring continu, et de continuous training (Evidently, Jenkins CI/CD, CT).</a:t>
+            </a:r>
+            <a:endParaRPr b="1" sz="1000">
               <a:solidFill>
                 <a:schemeClr val="lt1"/>
               </a:solidFill>
@@ -20671,14 +20675,14 @@
               <a:buNone/>
             </a:pPr>
             <a:r>
-              <a:rPr b="1" lang="fr" sz="800">
+              <a:rPr b="1" lang="fr" sz="1000">
                 <a:solidFill>
                   <a:schemeClr val="lt1"/>
                 </a:solidFill>
               </a:rPr>
               <a:t>Sur le plan de la gouvernance, le système garantit :</a:t>
             </a:r>
-            <a:endParaRPr b="1" sz="800">
+            <a:endParaRPr b="1" sz="1000">
               <a:solidFill>
                 <a:schemeClr val="lt1"/>
               </a:solidFill>
@@ -20698,7 +20702,7 @@
               <a:buNone/>
             </a:pPr>
             <a:r>
-              <a:rPr b="1" lang="fr" sz="800">
+              <a:rPr b="1" lang="fr" sz="1000">
                 <a:solidFill>
                   <a:schemeClr val="lt1"/>
                 </a:solidFill>
@@ -20706,14 +20710,14 @@
               <a:t>la sécurité des données (chiffrement AES-256, réseau isolé VPC, contrôle RBAC),</a:t>
             </a:r>
             <a:br>
-              <a:rPr b="1" lang="fr" sz="800">
+              <a:rPr b="1" lang="fr" sz="1000">
                 <a:solidFill>
                   <a:schemeClr val="lt1"/>
                 </a:solidFill>
               </a:rPr>
             </a:br>
             <a:r>
-              <a:rPr b="1" lang="fr" sz="800">
+              <a:rPr b="1" lang="fr" sz="1000">
                 <a:solidFill>
                   <a:schemeClr val="lt1"/>
                 </a:solidFill>
@@ -20721,21 +20725,21 @@
               <a:t>	la conformité réglementaire (GDPR, PCI-DSS, CCPA),</a:t>
             </a:r>
             <a:br>
-              <a:rPr b="1" lang="fr" sz="800">
+              <a:rPr b="1" lang="fr" sz="1000">
                 <a:solidFill>
                   <a:schemeClr val="lt1"/>
                 </a:solidFill>
               </a:rPr>
             </a:br>
             <a:r>
-              <a:rPr b="1" lang="fr" sz="800">
+              <a:rPr b="1" lang="fr" sz="1000">
                 <a:solidFill>
                   <a:schemeClr val="lt1"/>
                 </a:solidFill>
               </a:rPr>
               <a:t>	la traçabilité et la qualité des données sur tout le cycle de vie.</a:t>
             </a:r>
-            <a:endParaRPr b="1" sz="800">
+            <a:endParaRPr b="1" sz="1000">
               <a:solidFill>
                 <a:schemeClr val="lt1"/>
               </a:solidFill>
@@ -20757,7 +20761,7 @@
             <a:r>
               <a:t/>
             </a:r>
-            <a:endParaRPr b="1" sz="800">
+            <a:endParaRPr b="1" sz="1000">
               <a:solidFill>
                 <a:schemeClr val="lt1"/>
               </a:solidFill>
@@ -20777,14 +20781,14 @@
               <a:buNone/>
             </a:pPr>
             <a:r>
-              <a:rPr b="1" lang="fr" sz="800">
+              <a:rPr b="1" lang="fr" sz="1000">
                 <a:solidFill>
                   <a:schemeClr val="lt1"/>
                 </a:solidFill>
               </a:rPr>
               <a:t>Projet complet très intéressant car en entreprise je n’ai pas eu l’occasion  de mettre en place une architecture complète comme celle ci, ni de rentrer dans le détail des schéma de base de données. Je comprends mieux un collègue architecte dans ce domaine maintenant :-)</a:t>
             </a:r>
-            <a:endParaRPr b="1" sz="800">
+            <a:endParaRPr b="1" sz="1000">
               <a:solidFill>
                 <a:schemeClr val="lt1"/>
               </a:solidFill>
@@ -21231,8 +21235,8 @@
         </p:blipFill>
         <p:spPr>
           <a:xfrm>
-            <a:off x="1509400" y="385900"/>
-            <a:ext cx="5046823" cy="4757600"/>
+            <a:off x="1643950" y="837900"/>
+            <a:ext cx="4513676" cy="4305599"/>
           </a:xfrm>
           <a:prstGeom prst="rect">
             <a:avLst/>
@@ -21450,7 +21454,7 @@
             </a:pPr>
             <a:r>
               <a:rPr b="1" lang="fr" sz="1100"/>
-              <a:t>OLTP (PostgreSQL – RDS) : données transactionnelles extraites par Airbyte (Batch / CDC) et chargées dans Snowflake (RAW).</a:t>
+              <a:t>OLTP (PostgreSQL – RDS) : données transactionnelles extraites par Airbyte (Batch / CDC) / Kafka et chargées dans Snowflake (RAW).</a:t>
             </a:r>
             <a:br>
               <a:rPr lang="fr" sz="1100"/>
@@ -21493,7 +21497,7 @@
             </a:r>
             <a:r>
               <a:rPr lang="fr" sz="1100"/>
-              <a:t>) intégrées via Airbyte ou Kafka.</a:t>
+              <a:t>) intégrées via Airbyte / Kafka.</a:t>
             </a:r>
             <a:br>
               <a:rPr lang="fr" sz="1100"/>
@@ -23264,7 +23268,7 @@
             <a:tbl>
               <a:tblPr>
                 <a:noFill/>
-                <a:tableStyleId>{F0ED2D16-8099-4D48-BD94-ACDFA394096C}</a:tableStyleId>
+                <a:tableStyleId>{6842F186-137E-487E-8AAD-9096ED8008A9}</a:tableStyleId>
               </a:tblPr>
               <a:tblGrid>
                 <a:gridCol w="1235625"/>
@@ -24993,6 +24997,285 @@
 </file>
 
 <file path=ppt/theme/theme1.xml><?xml version="1.0" encoding="utf-8"?>
+<a:theme xmlns:a="http://schemas.openxmlformats.org/drawingml/2006/main" xmlns:r="http://schemas.openxmlformats.org/officeDocument/2006/relationships">
+  <a:themeElements>
+    <a:clrScheme name="Default">
+      <a:dk1>
+        <a:srgbClr val="000000"/>
+      </a:dk1>
+      <a:lt1>
+        <a:srgbClr val="FFFFFF"/>
+      </a:lt1>
+      <a:dk2>
+        <a:srgbClr val="158158"/>
+      </a:dk2>
+      <a:lt2>
+        <a:srgbClr val="F3F3F3"/>
+      </a:lt2>
+      <a:accent1>
+        <a:srgbClr val="058DC7"/>
+      </a:accent1>
+      <a:accent2>
+        <a:srgbClr val="50B432"/>
+      </a:accent2>
+      <a:accent3>
+        <a:srgbClr val="ED561B"/>
+      </a:accent3>
+      <a:accent4>
+        <a:srgbClr val="EDEF00"/>
+      </a:accent4>
+      <a:accent5>
+        <a:srgbClr val="24CBE5"/>
+      </a:accent5>
+      <a:accent6>
+        <a:srgbClr val="64E572"/>
+      </a:accent6>
+      <a:hlink>
+        <a:srgbClr val="2200CC"/>
+      </a:hlink>
+      <a:folHlink>
+        <a:srgbClr val="551A8B"/>
+      </a:folHlink>
+    </a:clrScheme>
+    <a:fontScheme name="Office">
+      <a:majorFont>
+        <a:latin typeface="Arial"/>
+        <a:ea typeface=""/>
+        <a:cs typeface=""/>
+        <a:font script="Jpan" typeface="ＭＳ Ｐゴシック"/>
+        <a:font script="Hang" typeface="맑은 고딕"/>
+        <a:font script="Hans" typeface="宋体"/>
+        <a:font script="Hant" typeface="新細明體"/>
+        <a:font script="Arab" typeface="Times New Roman"/>
+        <a:font script="Hebr" typeface="Times New Roman"/>
+        <a:font script="Thai" typeface="Angsana New"/>
+        <a:font script="Ethi" typeface="Nyala"/>
+        <a:font script="Beng" typeface="Vrinda"/>
+        <a:font script="Gujr" typeface="Shruti"/>
+        <a:font script="Khmr" typeface="MoolBoran"/>
+        <a:font script="Knda" typeface="Tunga"/>
+        <a:font script="Guru" typeface="Raavi"/>
+        <a:font script="Cans" typeface="Euphemia"/>
+        <a:font script="Cher" typeface="Plantagenet Cherokee"/>
+        <a:font script="Yiii" typeface="Microsoft Yi Baiti"/>
+        <a:font script="Tibt" typeface="Microsoft Himalaya"/>
+        <a:font script="Thaa" typeface="MV Boli"/>
+        <a:font script="Deva" typeface="Mangal"/>
+        <a:font script="Telu" typeface="Gautami"/>
+        <a:font script="Taml" typeface="Latha"/>
+        <a:font script="Syrc" typeface="Estrangelo Edessa"/>
+        <a:font script="Orya" typeface="Kalinga"/>
+        <a:font script="Mlym" typeface="Kartika"/>
+        <a:font script="Laoo" typeface="DokChampa"/>
+        <a:font script="Sinh" typeface="Iskoola Pota"/>
+        <a:font script="Mong" typeface="Mongolian Baiti"/>
+        <a:font script="Viet" typeface="Times New Roman"/>
+        <a:font script="Uigh" typeface="Microsoft Uighur"/>
+        <a:font script="Geor" typeface="Sylfaen"/>
+      </a:majorFont>
+      <a:minorFont>
+        <a:latin typeface="Arial"/>
+        <a:ea typeface=""/>
+        <a:cs typeface=""/>
+        <a:font script="Jpan" typeface="ＭＳ Ｐゴシック"/>
+        <a:font script="Hang" typeface="맑은 고딕"/>
+        <a:font script="Hans" typeface="宋体"/>
+        <a:font script="Hant" typeface="新細明體"/>
+        <a:font script="Arab" typeface="Arial"/>
+        <a:font script="Hebr" typeface="Arial"/>
+        <a:font script="Thai" typeface="Cordia New"/>
+        <a:font script="Ethi" typeface="Nyala"/>
+        <a:font script="Beng" typeface="Vrinda"/>
+        <a:font script="Gujr" typeface="Shruti"/>
+        <a:font script="Khmr" typeface="DaunPenh"/>
+        <a:font script="Knda" typeface="Tunga"/>
+        <a:font script="Guru" typeface="Raavi"/>
+        <a:font script="Cans" typeface="Euphemia"/>
+        <a:font script="Cher" typeface="Plantagenet Cherokee"/>
+        <a:font script="Yiii" typeface="Microsoft Yi Baiti"/>
+        <a:font script="Tibt" typeface="Microsoft Himalaya"/>
+        <a:font script="Thaa" typeface="MV Boli"/>
+        <a:font script="Deva" typeface="Mangal"/>
+        <a:font script="Telu" typeface="Gautami"/>
+        <a:font script="Taml" typeface="Latha"/>
+        <a:font script="Syrc" typeface="Estrangelo Edessa"/>
+        <a:font script="Orya" typeface="Kalinga"/>
+        <a:font script="Mlym" typeface="Kartika"/>
+        <a:font script="Laoo" typeface="DokChampa"/>
+        <a:font script="Sinh" typeface="Iskoola Pota"/>
+        <a:font script="Mong" typeface="Mongolian Baiti"/>
+        <a:font script="Viet" typeface="Arial"/>
+        <a:font script="Uigh" typeface="Microsoft Uighur"/>
+        <a:font script="Geor" typeface="Sylfaen"/>
+      </a:minorFont>
+    </a:fontScheme>
+    <a:fmtScheme name="Office">
+      <a:fillStyleLst>
+        <a:solidFill>
+          <a:schemeClr val="phClr"/>
+        </a:solidFill>
+        <a:gradFill rotWithShape="1">
+          <a:gsLst>
+            <a:gs pos="0">
+              <a:schemeClr val="phClr">
+                <a:tint val="50000"/>
+                <a:satMod val="300000"/>
+              </a:schemeClr>
+            </a:gs>
+            <a:gs pos="35000">
+              <a:schemeClr val="phClr">
+                <a:tint val="37000"/>
+                <a:satMod val="300000"/>
+              </a:schemeClr>
+            </a:gs>
+            <a:gs pos="100000">
+              <a:schemeClr val="phClr">
+                <a:tint val="15000"/>
+                <a:satMod val="350000"/>
+              </a:schemeClr>
+            </a:gs>
+          </a:gsLst>
+          <a:lin ang="16200000" scaled="1"/>
+        </a:gradFill>
+        <a:gradFill rotWithShape="1">
+          <a:gsLst>
+            <a:gs pos="0">
+              <a:schemeClr val="phClr">
+                <a:tint val="100000"/>
+                <a:shade val="100000"/>
+                <a:satMod val="130000"/>
+              </a:schemeClr>
+            </a:gs>
+            <a:gs pos="100000">
+              <a:schemeClr val="phClr">
+                <a:tint val="50000"/>
+                <a:shade val="100000"/>
+                <a:satMod val="350000"/>
+              </a:schemeClr>
+            </a:gs>
+          </a:gsLst>
+          <a:lin ang="16200000" scaled="0"/>
+        </a:gradFill>
+      </a:fillStyleLst>
+      <a:lnStyleLst>
+        <a:ln w="9525" cap="flat" cmpd="sng" algn="ctr">
+          <a:solidFill>
+            <a:schemeClr val="phClr">
+              <a:shade val="95000"/>
+              <a:satMod val="105000"/>
+            </a:schemeClr>
+          </a:solidFill>
+          <a:prstDash val="solid"/>
+        </a:ln>
+        <a:ln w="25400" cap="flat" cmpd="sng" algn="ctr">
+          <a:solidFill>
+            <a:schemeClr val="phClr"/>
+          </a:solidFill>
+          <a:prstDash val="solid"/>
+        </a:ln>
+        <a:ln w="38100" cap="flat" cmpd="sng" algn="ctr">
+          <a:solidFill>
+            <a:schemeClr val="phClr"/>
+          </a:solidFill>
+          <a:prstDash val="solid"/>
+        </a:ln>
+      </a:lnStyleLst>
+      <a:effectStyleLst>
+        <a:effectStyle>
+          <a:effectLst>
+            <a:outerShdw blurRad="40000" dist="20000" dir="5400000" rotWithShape="0">
+              <a:srgbClr val="000000">
+                <a:alpha val="38000"/>
+              </a:srgbClr>
+            </a:outerShdw>
+          </a:effectLst>
+        </a:effectStyle>
+        <a:effectStyle>
+          <a:effectLst>
+            <a:outerShdw blurRad="40000" dist="23000" dir="5400000" rotWithShape="0">
+              <a:srgbClr val="000000">
+                <a:alpha val="35000"/>
+              </a:srgbClr>
+            </a:outerShdw>
+          </a:effectLst>
+        </a:effectStyle>
+        <a:effectStyle>
+          <a:effectLst>
+            <a:outerShdw blurRad="40000" dist="23000" dir="5400000" rotWithShape="0">
+              <a:srgbClr val="000000">
+                <a:alpha val="35000"/>
+              </a:srgbClr>
+            </a:outerShdw>
+          </a:effectLst>
+          <a:scene3d>
+            <a:camera prst="orthographicFront">
+              <a:rot lat="0" lon="0" rev="0"/>
+            </a:camera>
+            <a:lightRig rig="threePt" dir="t">
+              <a:rot lat="0" lon="0" rev="1200000"/>
+            </a:lightRig>
+          </a:scene3d>
+          <a:sp3d>
+            <a:bevelT w="63500" h="25400"/>
+          </a:sp3d>
+        </a:effectStyle>
+      </a:effectStyleLst>
+      <a:bgFillStyleLst>
+        <a:solidFill>
+          <a:schemeClr val="phClr"/>
+        </a:solidFill>
+        <a:gradFill rotWithShape="1">
+          <a:gsLst>
+            <a:gs pos="0">
+              <a:schemeClr val="phClr">
+                <a:tint val="40000"/>
+                <a:satMod val="350000"/>
+              </a:schemeClr>
+            </a:gs>
+            <a:gs pos="40000">
+              <a:schemeClr val="phClr">
+                <a:tint val="45000"/>
+                <a:shade val="99000"/>
+                <a:satMod val="350000"/>
+              </a:schemeClr>
+            </a:gs>
+            <a:gs pos="100000">
+              <a:schemeClr val="phClr">
+                <a:shade val="20000"/>
+                <a:satMod val="255000"/>
+              </a:schemeClr>
+            </a:gs>
+          </a:gsLst>
+          <a:path path="circle">
+            <a:fillToRect l="50000" t="-80000" r="50000" b="180000"/>
+          </a:path>
+        </a:gradFill>
+        <a:gradFill rotWithShape="1">
+          <a:gsLst>
+            <a:gs pos="0">
+              <a:schemeClr val="phClr">
+                <a:tint val="80000"/>
+                <a:satMod val="300000"/>
+              </a:schemeClr>
+            </a:gs>
+            <a:gs pos="100000">
+              <a:schemeClr val="phClr">
+                <a:shade val="30000"/>
+                <a:satMod val="200000"/>
+              </a:schemeClr>
+            </a:gs>
+          </a:gsLst>
+          <a:path path="circle">
+            <a:fillToRect l="50000" t="50000" r="50000" b="50000"/>
+          </a:path>
+        </a:gradFill>
+      </a:bgFillStyleLst>
+    </a:fmtScheme>
+  </a:themeElements>
+</a:theme>
+</file>
+
+<file path=ppt/theme/theme2.xml><?xml version="1.0" encoding="utf-8"?>
 <a:theme xmlns:a="http://schemas.openxmlformats.org/drawingml/2006/main" xmlns:r="http://schemas.openxmlformats.org/officeDocument/2006/relationships" name="Simple Light">
   <a:themeElements>
     <a:clrScheme name="Simple Light">
@@ -25269,283 +25552,4 @@
     </a:fmtScheme>
   </a:themeElements>
 </a:theme>
-</file>
-
-<file path=ppt/theme/theme2.xml><?xml version="1.0" encoding="utf-8"?>
-<a:theme xmlns:a="http://schemas.openxmlformats.org/drawingml/2006/main" xmlns:r="http://schemas.openxmlformats.org/officeDocument/2006/relationships">
-  <a:themeElements>
-    <a:clrScheme name="Default">
-      <a:dk1>
-        <a:srgbClr val="000000"/>
-      </a:dk1>
-      <a:lt1>
-        <a:srgbClr val="FFFFFF"/>
-      </a:lt1>
-      <a:dk2>
-        <a:srgbClr val="158158"/>
-      </a:dk2>
-      <a:lt2>
-        <a:srgbClr val="F3F3F3"/>
-      </a:lt2>
-      <a:accent1>
-        <a:srgbClr val="058DC7"/>
-      </a:accent1>
-      <a:accent2>
-        <a:srgbClr val="50B432"/>
-      </a:accent2>
-      <a:accent3>
-        <a:srgbClr val="ED561B"/>
-      </a:accent3>
-      <a:accent4>
-        <a:srgbClr val="EDEF00"/>
-      </a:accent4>
-      <a:accent5>
-        <a:srgbClr val="24CBE5"/>
-      </a:accent5>
-      <a:accent6>
-        <a:srgbClr val="64E572"/>
-      </a:accent6>
-      <a:hlink>
-        <a:srgbClr val="2200CC"/>
-      </a:hlink>
-      <a:folHlink>
-        <a:srgbClr val="551A8B"/>
-      </a:folHlink>
-    </a:clrScheme>
-    <a:fontScheme name="Office">
-      <a:majorFont>
-        <a:latin typeface="Arial"/>
-        <a:ea typeface=""/>
-        <a:cs typeface=""/>
-        <a:font script="Jpan" typeface="ＭＳ Ｐゴシック"/>
-        <a:font script="Hang" typeface="맑은 고딕"/>
-        <a:font script="Hans" typeface="宋体"/>
-        <a:font script="Hant" typeface="新細明體"/>
-        <a:font script="Arab" typeface="Times New Roman"/>
-        <a:font script="Hebr" typeface="Times New Roman"/>
-        <a:font script="Thai" typeface="Angsana New"/>
-        <a:font script="Ethi" typeface="Nyala"/>
-        <a:font script="Beng" typeface="Vrinda"/>
-        <a:font script="Gujr" typeface="Shruti"/>
-        <a:font script="Khmr" typeface="MoolBoran"/>
-        <a:font script="Knda" typeface="Tunga"/>
-        <a:font script="Guru" typeface="Raavi"/>
-        <a:font script="Cans" typeface="Euphemia"/>
-        <a:font script="Cher" typeface="Plantagenet Cherokee"/>
-        <a:font script="Yiii" typeface="Microsoft Yi Baiti"/>
-        <a:font script="Tibt" typeface="Microsoft Himalaya"/>
-        <a:font script="Thaa" typeface="MV Boli"/>
-        <a:font script="Deva" typeface="Mangal"/>
-        <a:font script="Telu" typeface="Gautami"/>
-        <a:font script="Taml" typeface="Latha"/>
-        <a:font script="Syrc" typeface="Estrangelo Edessa"/>
-        <a:font script="Orya" typeface="Kalinga"/>
-        <a:font script="Mlym" typeface="Kartika"/>
-        <a:font script="Laoo" typeface="DokChampa"/>
-        <a:font script="Sinh" typeface="Iskoola Pota"/>
-        <a:font script="Mong" typeface="Mongolian Baiti"/>
-        <a:font script="Viet" typeface="Times New Roman"/>
-        <a:font script="Uigh" typeface="Microsoft Uighur"/>
-        <a:font script="Geor" typeface="Sylfaen"/>
-      </a:majorFont>
-      <a:minorFont>
-        <a:latin typeface="Arial"/>
-        <a:ea typeface=""/>
-        <a:cs typeface=""/>
-        <a:font script="Jpan" typeface="ＭＳ Ｐゴシック"/>
-        <a:font script="Hang" typeface="맑은 고딕"/>
-        <a:font script="Hans" typeface="宋体"/>
-        <a:font script="Hant" typeface="新細明體"/>
-        <a:font script="Arab" typeface="Arial"/>
-        <a:font script="Hebr" typeface="Arial"/>
-        <a:font script="Thai" typeface="Cordia New"/>
-        <a:font script="Ethi" typeface="Nyala"/>
-        <a:font script="Beng" typeface="Vrinda"/>
-        <a:font script="Gujr" typeface="Shruti"/>
-        <a:font script="Khmr" typeface="DaunPenh"/>
-        <a:font script="Knda" typeface="Tunga"/>
-        <a:font script="Guru" typeface="Raavi"/>
-        <a:font script="Cans" typeface="Euphemia"/>
-        <a:font script="Cher" typeface="Plantagenet Cherokee"/>
-        <a:font script="Yiii" typeface="Microsoft Yi Baiti"/>
-        <a:font script="Tibt" typeface="Microsoft Himalaya"/>
-        <a:font script="Thaa" typeface="MV Boli"/>
-        <a:font script="Deva" typeface="Mangal"/>
-        <a:font script="Telu" typeface="Gautami"/>
-        <a:font script="Taml" typeface="Latha"/>
-        <a:font script="Syrc" typeface="Estrangelo Edessa"/>
-        <a:font script="Orya" typeface="Kalinga"/>
-        <a:font script="Mlym" typeface="Kartika"/>
-        <a:font script="Laoo" typeface="DokChampa"/>
-        <a:font script="Sinh" typeface="Iskoola Pota"/>
-        <a:font script="Mong" typeface="Mongolian Baiti"/>
-        <a:font script="Viet" typeface="Arial"/>
-        <a:font script="Uigh" typeface="Microsoft Uighur"/>
-        <a:font script="Geor" typeface="Sylfaen"/>
-      </a:minorFont>
-    </a:fontScheme>
-    <a:fmtScheme name="Office">
-      <a:fillStyleLst>
-        <a:solidFill>
-          <a:schemeClr val="phClr"/>
-        </a:solidFill>
-        <a:gradFill rotWithShape="1">
-          <a:gsLst>
-            <a:gs pos="0">
-              <a:schemeClr val="phClr">
-                <a:tint val="50000"/>
-                <a:satMod val="300000"/>
-              </a:schemeClr>
-            </a:gs>
-            <a:gs pos="35000">
-              <a:schemeClr val="phClr">
-                <a:tint val="37000"/>
-                <a:satMod val="300000"/>
-              </a:schemeClr>
-            </a:gs>
-            <a:gs pos="100000">
-              <a:schemeClr val="phClr">
-                <a:tint val="15000"/>
-                <a:satMod val="350000"/>
-              </a:schemeClr>
-            </a:gs>
-          </a:gsLst>
-          <a:lin ang="16200000" scaled="1"/>
-        </a:gradFill>
-        <a:gradFill rotWithShape="1">
-          <a:gsLst>
-            <a:gs pos="0">
-              <a:schemeClr val="phClr">
-                <a:tint val="100000"/>
-                <a:shade val="100000"/>
-                <a:satMod val="130000"/>
-              </a:schemeClr>
-            </a:gs>
-            <a:gs pos="100000">
-              <a:schemeClr val="phClr">
-                <a:tint val="50000"/>
-                <a:shade val="100000"/>
-                <a:satMod val="350000"/>
-              </a:schemeClr>
-            </a:gs>
-          </a:gsLst>
-          <a:lin ang="16200000" scaled="0"/>
-        </a:gradFill>
-      </a:fillStyleLst>
-      <a:lnStyleLst>
-        <a:ln w="9525" cap="flat" cmpd="sng" algn="ctr">
-          <a:solidFill>
-            <a:schemeClr val="phClr">
-              <a:shade val="95000"/>
-              <a:satMod val="105000"/>
-            </a:schemeClr>
-          </a:solidFill>
-          <a:prstDash val="solid"/>
-        </a:ln>
-        <a:ln w="25400" cap="flat" cmpd="sng" algn="ctr">
-          <a:solidFill>
-            <a:schemeClr val="phClr"/>
-          </a:solidFill>
-          <a:prstDash val="solid"/>
-        </a:ln>
-        <a:ln w="38100" cap="flat" cmpd="sng" algn="ctr">
-          <a:solidFill>
-            <a:schemeClr val="phClr"/>
-          </a:solidFill>
-          <a:prstDash val="solid"/>
-        </a:ln>
-      </a:lnStyleLst>
-      <a:effectStyleLst>
-        <a:effectStyle>
-          <a:effectLst>
-            <a:outerShdw blurRad="40000" dist="20000" dir="5400000" rotWithShape="0">
-              <a:srgbClr val="000000">
-                <a:alpha val="38000"/>
-              </a:srgbClr>
-            </a:outerShdw>
-          </a:effectLst>
-        </a:effectStyle>
-        <a:effectStyle>
-          <a:effectLst>
-            <a:outerShdw blurRad="40000" dist="23000" dir="5400000" rotWithShape="0">
-              <a:srgbClr val="000000">
-                <a:alpha val="35000"/>
-              </a:srgbClr>
-            </a:outerShdw>
-          </a:effectLst>
-        </a:effectStyle>
-        <a:effectStyle>
-          <a:effectLst>
-            <a:outerShdw blurRad="40000" dist="23000" dir="5400000" rotWithShape="0">
-              <a:srgbClr val="000000">
-                <a:alpha val="35000"/>
-              </a:srgbClr>
-            </a:outerShdw>
-          </a:effectLst>
-          <a:scene3d>
-            <a:camera prst="orthographicFront">
-              <a:rot lat="0" lon="0" rev="0"/>
-            </a:camera>
-            <a:lightRig rig="threePt" dir="t">
-              <a:rot lat="0" lon="0" rev="1200000"/>
-            </a:lightRig>
-          </a:scene3d>
-          <a:sp3d>
-            <a:bevelT w="63500" h="25400"/>
-          </a:sp3d>
-        </a:effectStyle>
-      </a:effectStyleLst>
-      <a:bgFillStyleLst>
-        <a:solidFill>
-          <a:schemeClr val="phClr"/>
-        </a:solidFill>
-        <a:gradFill rotWithShape="1">
-          <a:gsLst>
-            <a:gs pos="0">
-              <a:schemeClr val="phClr">
-                <a:tint val="40000"/>
-                <a:satMod val="350000"/>
-              </a:schemeClr>
-            </a:gs>
-            <a:gs pos="40000">
-              <a:schemeClr val="phClr">
-                <a:tint val="45000"/>
-                <a:shade val="99000"/>
-                <a:satMod val="350000"/>
-              </a:schemeClr>
-            </a:gs>
-            <a:gs pos="100000">
-              <a:schemeClr val="phClr">
-                <a:shade val="20000"/>
-                <a:satMod val="255000"/>
-              </a:schemeClr>
-            </a:gs>
-          </a:gsLst>
-          <a:path path="circle">
-            <a:fillToRect l="50000" t="-80000" r="50000" b="180000"/>
-          </a:path>
-        </a:gradFill>
-        <a:gradFill rotWithShape="1">
-          <a:gsLst>
-            <a:gs pos="0">
-              <a:schemeClr val="phClr">
-                <a:tint val="80000"/>
-                <a:satMod val="300000"/>
-              </a:schemeClr>
-            </a:gs>
-            <a:gs pos="100000">
-              <a:schemeClr val="phClr">
-                <a:shade val="30000"/>
-                <a:satMod val="200000"/>
-              </a:schemeClr>
-            </a:gs>
-          </a:gsLst>
-          <a:path path="circle">
-            <a:fillToRect l="50000" t="50000" r="50000" b="50000"/>
-          </a:path>
-        </a:gradFill>
-      </a:bgFillStyleLst>
-    </a:fmtScheme>
-  </a:themeElements>
-</a:theme>
 </file>
--- a/LDS_Block_2_Lead.pptx
+++ b/LDS_Block_2_Lead.pptx
@@ -284,7 +284,7 @@
   </p:defaultTextStyle>
   <p:extLst>
     <p:ext uri="GoogleSlidesCustomDataVersion2">
-      <go:slidesCustomData xmlns:go="http://customooxmlschemas.google.com/" r:id="rId40" roundtripDataSignature="AMtx7miB6Jf62VujByauEVslFxIGYOtrOw=="/>
+      <go:slidesCustomData xmlns:go="http://customooxmlschemas.google.com/" r:id="rId40" roundtripDataSignature="AMtx7midtZIVGHcQq0aBEucYfwR4UbR72A=="/>
     </p:ext>
   </p:extLst>
 </p:presentation>
@@ -12319,7 +12319,7 @@
             </a:r>
             <a:r>
               <a:rPr lang="fr" sz="1000"/>
-              <a:t> (entiers) pour joins rapides.</a:t>
+              <a:t> (entiers) pour jointures rapides.</a:t>
             </a:r>
             <a:endParaRPr sz="1000"/>
           </a:p>
@@ -13382,7 +13382,7 @@
                   <a:srgbClr val="000000"/>
                 </a:solidFill>
               </a:rPr>
-              <a:t>Centralise les retours clients (note, commentaire, sentiment). Index texte pour analyse sémantique (NLP).</a:t>
+              <a:t>Centralise les retours clients (notes, commentaire, sentiment). Index texte pour analyse sémantique (NLP).</a:t>
             </a:r>
             <a:endParaRPr sz="900">
               <a:solidFill>
@@ -15358,7 +15358,7 @@
             <a:tbl>
               <a:tblPr>
                 <a:noFill/>
-                <a:tableStyleId>{66992DCF-B60A-47D9-B024-17E8E8111B95}</a:tableStyleId>
+                <a:tableStyleId>{BE7BAECF-0930-45FF-A327-501D9C347953}</a:tableStyleId>
               </a:tblPr>
               <a:tblGrid>
                 <a:gridCol w="2413000"/>
@@ -16475,33 +16475,6 @@
               <a:buNone/>
             </a:pPr>
             <a:r>
-              <a:rPr lang="fr" sz="1100"/>
-              <a:t>En </a:t>
-            </a:r>
-            <a:r>
-              <a:rPr lang="fr" sz="1100"/>
-              <a:t>résumé</a:t>
-            </a:r>
-            <a:r>
-              <a:rPr lang="fr" sz="1100"/>
-              <a:t> : </a:t>
-            </a:r>
-            <a:endParaRPr sz="1100"/>
-          </a:p>
-          <a:p>
-            <a:pPr indent="0" lvl="0" marL="457200" rtl="0" algn="l">
-              <a:lnSpc>
-                <a:spcPct val="115000"/>
-              </a:lnSpc>
-              <a:spcBef>
-                <a:spcPts val="1200"/>
-              </a:spcBef>
-              <a:spcAft>
-                <a:spcPts val="0"/>
-              </a:spcAft>
-              <a:buNone/>
-            </a:pPr>
-            <a:r>
               <a:rPr b="1" lang="fr" sz="1100"/>
               <a:t>Chiffrement global </a:t>
             </a:r>
@@ -16616,7 +16589,7 @@
             </a:r>
             <a:r>
               <a:rPr lang="fr" sz="1100"/>
-              <a:t> : pseudonymisation, droit à l’oubli automatisé, rétention  des données.</a:t>
+              <a:t> : pseudonymisation, droit à l’oubli automatisé, rétention des données.</a:t>
             </a:r>
             <a:endParaRPr sz="1100"/>
           </a:p>
@@ -20579,7 +20552,7 @@
                   <a:schemeClr val="lt1"/>
                 </a:solidFill>
               </a:rPr>
-              <a:t>	Snowflake pour la performance analytique et la gouvernance,</a:t>
+              <a:t>	Snowflake pour la performance analytique,</a:t>
             </a:r>
             <a:br>
               <a:rPr b="1" lang="fr" sz="1000">
@@ -20786,7 +20759,7 @@
                   <a:schemeClr val="lt1"/>
                 </a:solidFill>
               </a:rPr>
-              <a:t>Projet complet très intéressant car en entreprise je n’ai pas eu l’occasion  de mettre en place une architecture complète comme celle ci, ni de rentrer dans le détail des schéma de base de données. Je comprends mieux un collègue architecte dans ce domaine maintenant :-)</a:t>
+              <a:t>Projet complet très intéressant car en entreprise je n’ai pas eu l’occasion  de mettre en place une architecture complète comme celle ci, ni de rentrer dans le détail des schémas de base de données. Je comprends mieux un collègue architecte dans ce domaine maintenant :-)</a:t>
             </a:r>
             <a:endParaRPr b="1" sz="1000">
               <a:solidFill>
@@ -21235,8 +21208,8 @@
         </p:blipFill>
         <p:spPr>
           <a:xfrm>
-            <a:off x="1643950" y="837900"/>
-            <a:ext cx="4513676" cy="4305599"/>
+            <a:off x="1336275" y="698875"/>
+            <a:ext cx="4561694" cy="4305599"/>
           </a:xfrm>
           <a:prstGeom prst="rect">
             <a:avLst/>
@@ -21516,7 +21489,15 @@
             </a:r>
             <a:r>
               <a:rPr lang="fr" sz="1100"/>
-              <a:t> (zones </a:t>
+              <a:t> (</a:t>
+            </a:r>
+            <a:r>
+              <a:rPr lang="fr" sz="1100"/>
+              <a:t>schémas</a:t>
+            </a:r>
+            <a:r>
+              <a:rPr lang="fr" sz="1100"/>
+              <a:t> </a:t>
             </a:r>
             <a:r>
               <a:rPr i="1" lang="fr" sz="1100"/>
@@ -21593,6 +21574,14 @@
             <a:r>
               <a:rPr lang="fr" sz="1100"/>
               <a:t>	</a:t>
+            </a:r>
+            <a:r>
+              <a:rPr b="1" lang="fr" sz="1100"/>
+              <a:t>Jenkins +</a:t>
+            </a:r>
+            <a:r>
+              <a:rPr lang="fr" sz="1100"/>
+              <a:t> </a:t>
             </a:r>
             <a:r>
               <a:rPr b="1" lang="fr" sz="1100"/>
@@ -23268,7 +23257,7 @@
             <a:tbl>
               <a:tblPr>
                 <a:noFill/>
-                <a:tableStyleId>{6842F186-137E-487E-8AAD-9096ED8008A9}</a:tableStyleId>
+                <a:tableStyleId>{D707D63A-4602-4082-8AFF-98E450A7B0E3}</a:tableStyleId>
               </a:tblPr>
               <a:tblGrid>
                 <a:gridCol w="1235625"/>
@@ -24976,8 +24965,8 @@
         </p:blipFill>
         <p:spPr>
           <a:xfrm>
-            <a:off x="961025" y="428050"/>
-            <a:ext cx="7309900" cy="4757600"/>
+            <a:off x="1313224" y="498225"/>
+            <a:ext cx="5622800" cy="4504825"/>
           </a:xfrm>
           <a:prstGeom prst="rect">
             <a:avLst/>
@@ -24997,6 +24986,285 @@
 </file>
 
 <file path=ppt/theme/theme1.xml><?xml version="1.0" encoding="utf-8"?>
+<a:theme xmlns:a="http://schemas.openxmlformats.org/drawingml/2006/main" xmlns:r="http://schemas.openxmlformats.org/officeDocument/2006/relationships" name="Simple Light">
+  <a:themeElements>
+    <a:clrScheme name="Simple Light">
+      <a:dk1>
+        <a:srgbClr val="000000"/>
+      </a:dk1>
+      <a:lt1>
+        <a:srgbClr val="FFFFFF"/>
+      </a:lt1>
+      <a:dk2>
+        <a:srgbClr val="595959"/>
+      </a:dk2>
+      <a:lt2>
+        <a:srgbClr val="EEEEEE"/>
+      </a:lt2>
+      <a:accent1>
+        <a:srgbClr val="FFAB40"/>
+      </a:accent1>
+      <a:accent2>
+        <a:srgbClr val="212121"/>
+      </a:accent2>
+      <a:accent3>
+        <a:srgbClr val="78909C"/>
+      </a:accent3>
+      <a:accent4>
+        <a:srgbClr val="FFAB40"/>
+      </a:accent4>
+      <a:accent5>
+        <a:srgbClr val="0097A7"/>
+      </a:accent5>
+      <a:accent6>
+        <a:srgbClr val="EEFF41"/>
+      </a:accent6>
+      <a:hlink>
+        <a:srgbClr val="0097A7"/>
+      </a:hlink>
+      <a:folHlink>
+        <a:srgbClr val="0097A7"/>
+      </a:folHlink>
+    </a:clrScheme>
+    <a:fontScheme name="Office">
+      <a:majorFont>
+        <a:latin typeface="Arial"/>
+        <a:ea typeface=""/>
+        <a:cs typeface=""/>
+        <a:font script="Jpan" typeface="ＭＳ Ｐゴシック"/>
+        <a:font script="Hang" typeface="맑은 고딕"/>
+        <a:font script="Hans" typeface="宋体"/>
+        <a:font script="Hant" typeface="新細明體"/>
+        <a:font script="Arab" typeface="Times New Roman"/>
+        <a:font script="Hebr" typeface="Times New Roman"/>
+        <a:font script="Thai" typeface="Angsana New"/>
+        <a:font script="Ethi" typeface="Nyala"/>
+        <a:font script="Beng" typeface="Vrinda"/>
+        <a:font script="Gujr" typeface="Shruti"/>
+        <a:font script="Khmr" typeface="MoolBoran"/>
+        <a:font script="Knda" typeface="Tunga"/>
+        <a:font script="Guru" typeface="Raavi"/>
+        <a:font script="Cans" typeface="Euphemia"/>
+        <a:font script="Cher" typeface="Plantagenet Cherokee"/>
+        <a:font script="Yiii" typeface="Microsoft Yi Baiti"/>
+        <a:font script="Tibt" typeface="Microsoft Himalaya"/>
+        <a:font script="Thaa" typeface="MV Boli"/>
+        <a:font script="Deva" typeface="Mangal"/>
+        <a:font script="Telu" typeface="Gautami"/>
+        <a:font script="Taml" typeface="Latha"/>
+        <a:font script="Syrc" typeface="Estrangelo Edessa"/>
+        <a:font script="Orya" typeface="Kalinga"/>
+        <a:font script="Mlym" typeface="Kartika"/>
+        <a:font script="Laoo" typeface="DokChampa"/>
+        <a:font script="Sinh" typeface="Iskoola Pota"/>
+        <a:font script="Mong" typeface="Mongolian Baiti"/>
+        <a:font script="Viet" typeface="Times New Roman"/>
+        <a:font script="Uigh" typeface="Microsoft Uighur"/>
+        <a:font script="Geor" typeface="Sylfaen"/>
+      </a:majorFont>
+      <a:minorFont>
+        <a:latin typeface="Arial"/>
+        <a:ea typeface=""/>
+        <a:cs typeface=""/>
+        <a:font script="Jpan" typeface="ＭＳ Ｐゴシック"/>
+        <a:font script="Hang" typeface="맑은 고딕"/>
+        <a:font script="Hans" typeface="宋体"/>
+        <a:font script="Hant" typeface="新細明體"/>
+        <a:font script="Arab" typeface="Arial"/>
+        <a:font script="Hebr" typeface="Arial"/>
+        <a:font script="Thai" typeface="Cordia New"/>
+        <a:font script="Ethi" typeface="Nyala"/>
+        <a:font script="Beng" typeface="Vrinda"/>
+        <a:font script="Gujr" typeface="Shruti"/>
+        <a:font script="Khmr" typeface="DaunPenh"/>
+        <a:font script="Knda" typeface="Tunga"/>
+        <a:font script="Guru" typeface="Raavi"/>
+        <a:font script="Cans" typeface="Euphemia"/>
+        <a:font script="Cher" typeface="Plantagenet Cherokee"/>
+        <a:font script="Yiii" typeface="Microsoft Yi Baiti"/>
+        <a:font script="Tibt" typeface="Microsoft Himalaya"/>
+        <a:font script="Thaa" typeface="MV Boli"/>
+        <a:font script="Deva" typeface="Mangal"/>
+        <a:font script="Telu" typeface="Gautami"/>
+        <a:font script="Taml" typeface="Latha"/>
+        <a:font script="Syrc" typeface="Estrangelo Edessa"/>
+        <a:font script="Orya" typeface="Kalinga"/>
+        <a:font script="Mlym" typeface="Kartika"/>
+        <a:font script="Laoo" typeface="DokChampa"/>
+        <a:font script="Sinh" typeface="Iskoola Pota"/>
+        <a:font script="Mong" typeface="Mongolian Baiti"/>
+        <a:font script="Viet" typeface="Arial"/>
+        <a:font script="Uigh" typeface="Microsoft Uighur"/>
+        <a:font script="Geor" typeface="Sylfaen"/>
+      </a:minorFont>
+    </a:fontScheme>
+    <a:fmtScheme name="Office">
+      <a:fillStyleLst>
+        <a:solidFill>
+          <a:schemeClr val="phClr"/>
+        </a:solidFill>
+        <a:gradFill rotWithShape="1">
+          <a:gsLst>
+            <a:gs pos="0">
+              <a:schemeClr val="phClr">
+                <a:tint val="50000"/>
+                <a:satMod val="300000"/>
+              </a:schemeClr>
+            </a:gs>
+            <a:gs pos="35000">
+              <a:schemeClr val="phClr">
+                <a:tint val="37000"/>
+                <a:satMod val="300000"/>
+              </a:schemeClr>
+            </a:gs>
+            <a:gs pos="100000">
+              <a:schemeClr val="phClr">
+                <a:tint val="15000"/>
+                <a:satMod val="350000"/>
+              </a:schemeClr>
+            </a:gs>
+          </a:gsLst>
+          <a:lin ang="16200000" scaled="1"/>
+        </a:gradFill>
+        <a:gradFill rotWithShape="1">
+          <a:gsLst>
+            <a:gs pos="0">
+              <a:schemeClr val="phClr">
+                <a:tint val="100000"/>
+                <a:shade val="100000"/>
+                <a:satMod val="130000"/>
+              </a:schemeClr>
+            </a:gs>
+            <a:gs pos="100000">
+              <a:schemeClr val="phClr">
+                <a:tint val="50000"/>
+                <a:shade val="100000"/>
+                <a:satMod val="350000"/>
+              </a:schemeClr>
+            </a:gs>
+          </a:gsLst>
+          <a:lin ang="16200000" scaled="0"/>
+        </a:gradFill>
+      </a:fillStyleLst>
+      <a:lnStyleLst>
+        <a:ln w="9525" cap="flat" cmpd="sng" algn="ctr">
+          <a:solidFill>
+            <a:schemeClr val="phClr">
+              <a:shade val="95000"/>
+              <a:satMod val="105000"/>
+            </a:schemeClr>
+          </a:solidFill>
+          <a:prstDash val="solid"/>
+        </a:ln>
+        <a:ln w="25400" cap="flat" cmpd="sng" algn="ctr">
+          <a:solidFill>
+            <a:schemeClr val="phClr"/>
+          </a:solidFill>
+          <a:prstDash val="solid"/>
+        </a:ln>
+        <a:ln w="38100" cap="flat" cmpd="sng" algn="ctr">
+          <a:solidFill>
+            <a:schemeClr val="phClr"/>
+          </a:solidFill>
+          <a:prstDash val="solid"/>
+        </a:ln>
+      </a:lnStyleLst>
+      <a:effectStyleLst>
+        <a:effectStyle>
+          <a:effectLst>
+            <a:outerShdw blurRad="40000" dist="20000" dir="5400000" rotWithShape="0">
+              <a:srgbClr val="000000">
+                <a:alpha val="38000"/>
+              </a:srgbClr>
+            </a:outerShdw>
+          </a:effectLst>
+        </a:effectStyle>
+        <a:effectStyle>
+          <a:effectLst>
+            <a:outerShdw blurRad="40000" dist="23000" dir="5400000" rotWithShape="0">
+              <a:srgbClr val="000000">
+                <a:alpha val="35000"/>
+              </a:srgbClr>
+            </a:outerShdw>
+          </a:effectLst>
+        </a:effectStyle>
+        <a:effectStyle>
+          <a:effectLst>
+            <a:outerShdw blurRad="40000" dist="23000" dir="5400000" rotWithShape="0">
+              <a:srgbClr val="000000">
+                <a:alpha val="35000"/>
+              </a:srgbClr>
+            </a:outerShdw>
+          </a:effectLst>
+          <a:scene3d>
+            <a:camera prst="orthographicFront">
+              <a:rot lat="0" lon="0" rev="0"/>
+            </a:camera>
+            <a:lightRig rig="threePt" dir="t">
+              <a:rot lat="0" lon="0" rev="1200000"/>
+            </a:lightRig>
+          </a:scene3d>
+          <a:sp3d>
+            <a:bevelT w="63500" h="25400"/>
+          </a:sp3d>
+        </a:effectStyle>
+      </a:effectStyleLst>
+      <a:bgFillStyleLst>
+        <a:solidFill>
+          <a:schemeClr val="phClr"/>
+        </a:solidFill>
+        <a:gradFill rotWithShape="1">
+          <a:gsLst>
+            <a:gs pos="0">
+              <a:schemeClr val="phClr">
+                <a:tint val="40000"/>
+                <a:satMod val="350000"/>
+              </a:schemeClr>
+            </a:gs>
+            <a:gs pos="40000">
+              <a:schemeClr val="phClr">
+                <a:tint val="45000"/>
+                <a:shade val="99000"/>
+                <a:satMod val="350000"/>
+              </a:schemeClr>
+            </a:gs>
+            <a:gs pos="100000">
+              <a:schemeClr val="phClr">
+                <a:shade val="20000"/>
+                <a:satMod val="255000"/>
+              </a:schemeClr>
+            </a:gs>
+          </a:gsLst>
+          <a:path path="circle">
+            <a:fillToRect l="50000" t="-80000" r="50000" b="180000"/>
+          </a:path>
+        </a:gradFill>
+        <a:gradFill rotWithShape="1">
+          <a:gsLst>
+            <a:gs pos="0">
+              <a:schemeClr val="phClr">
+                <a:tint val="80000"/>
+                <a:satMod val="300000"/>
+              </a:schemeClr>
+            </a:gs>
+            <a:gs pos="100000">
+              <a:schemeClr val="phClr">
+                <a:shade val="30000"/>
+                <a:satMod val="200000"/>
+              </a:schemeClr>
+            </a:gs>
+          </a:gsLst>
+          <a:path path="circle">
+            <a:fillToRect l="50000" t="50000" r="50000" b="50000"/>
+          </a:path>
+        </a:gradFill>
+      </a:bgFillStyleLst>
+    </a:fmtScheme>
+  </a:themeElements>
+</a:theme>
+</file>
+
+<file path=ppt/theme/theme2.xml><?xml version="1.0" encoding="utf-8"?>
 <a:theme xmlns:a="http://schemas.openxmlformats.org/drawingml/2006/main" xmlns:r="http://schemas.openxmlformats.org/officeDocument/2006/relationships">
   <a:themeElements>
     <a:clrScheme name="Default">
@@ -25273,283 +25541,4 @@
     </a:fmtScheme>
   </a:themeElements>
 </a:theme>
-</file>
-
-<file path=ppt/theme/theme2.xml><?xml version="1.0" encoding="utf-8"?>
-<a:theme xmlns:a="http://schemas.openxmlformats.org/drawingml/2006/main" xmlns:r="http://schemas.openxmlformats.org/officeDocument/2006/relationships" name="Simple Light">
-  <a:themeElements>
-    <a:clrScheme name="Simple Light">
-      <a:dk1>
-        <a:srgbClr val="000000"/>
-      </a:dk1>
-      <a:lt1>
-        <a:srgbClr val="FFFFFF"/>
-      </a:lt1>
-      <a:dk2>
-        <a:srgbClr val="595959"/>
-      </a:dk2>
-      <a:lt2>
-        <a:srgbClr val="EEEEEE"/>
-      </a:lt2>
-      <a:accent1>
-        <a:srgbClr val="FFAB40"/>
-      </a:accent1>
-      <a:accent2>
-        <a:srgbClr val="212121"/>
-      </a:accent2>
-      <a:accent3>
-        <a:srgbClr val="78909C"/>
-      </a:accent3>
-      <a:accent4>
-        <a:srgbClr val="FFAB40"/>
-      </a:accent4>
-      <a:accent5>
-        <a:srgbClr val="0097A7"/>
-      </a:accent5>
-      <a:accent6>
-        <a:srgbClr val="EEFF41"/>
-      </a:accent6>
-      <a:hlink>
-        <a:srgbClr val="0097A7"/>
-      </a:hlink>
-      <a:folHlink>
-        <a:srgbClr val="0097A7"/>
-      </a:folHlink>
-    </a:clrScheme>
-    <a:fontScheme name="Office">
-      <a:majorFont>
-        <a:latin typeface="Arial"/>
-        <a:ea typeface=""/>
-        <a:cs typeface=""/>
-        <a:font script="Jpan" typeface="ＭＳ Ｐゴシック"/>
-        <a:font script="Hang" typeface="맑은 고딕"/>
-        <a:font script="Hans" typeface="宋体"/>
-        <a:font script="Hant" typeface="新細明體"/>
-        <a:font script="Arab" typeface="Times New Roman"/>
-        <a:font script="Hebr" typeface="Times New Roman"/>
-        <a:font script="Thai" typeface="Angsana New"/>
-        <a:font script="Ethi" typeface="Nyala"/>
-        <a:font script="Beng" typeface="Vrinda"/>
-        <a:font script="Gujr" typeface="Shruti"/>
-        <a:font script="Khmr" typeface="MoolBoran"/>
-        <a:font script="Knda" typeface="Tunga"/>
-        <a:font script="Guru" typeface="Raavi"/>
-        <a:font script="Cans" typeface="Euphemia"/>
-        <a:font script="Cher" typeface="Plantagenet Cherokee"/>
-        <a:font script="Yiii" typeface="Microsoft Yi Baiti"/>
-        <a:font script="Tibt" typeface="Microsoft Himalaya"/>
-        <a:font script="Thaa" typeface="MV Boli"/>
-        <a:font script="Deva" typeface="Mangal"/>
-        <a:font script="Telu" typeface="Gautami"/>
-        <a:font script="Taml" typeface="Latha"/>
-        <a:font script="Syrc" typeface="Estrangelo Edessa"/>
-        <a:font script="Orya" typeface="Kalinga"/>
-        <a:font script="Mlym" typeface="Kartika"/>
-        <a:font script="Laoo" typeface="DokChampa"/>
-        <a:font script="Sinh" typeface="Iskoola Pota"/>
-        <a:font script="Mong" typeface="Mongolian Baiti"/>
-        <a:font script="Viet" typeface="Times New Roman"/>
-        <a:font script="Uigh" typeface="Microsoft Uighur"/>
-        <a:font script="Geor" typeface="Sylfaen"/>
-      </a:majorFont>
-      <a:minorFont>
-        <a:latin typeface="Arial"/>
-        <a:ea typeface=""/>
-        <a:cs typeface=""/>
-        <a:font script="Jpan" typeface="ＭＳ Ｐゴシック"/>
-        <a:font script="Hang" typeface="맑은 고딕"/>
-        <a:font script="Hans" typeface="宋体"/>
-        <a:font script="Hant" typeface="新細明體"/>
-        <a:font script="Arab" typeface="Arial"/>
-        <a:font script="Hebr" typeface="Arial"/>
-        <a:font script="Thai" typeface="Cordia New"/>
-        <a:font script="Ethi" typeface="Nyala"/>
-        <a:font script="Beng" typeface="Vrinda"/>
-        <a:font script="Gujr" typeface="Shruti"/>
-        <a:font script="Khmr" typeface="DaunPenh"/>
-        <a:font script="Knda" typeface="Tunga"/>
-        <a:font script="Guru" typeface="Raavi"/>
-        <a:font script="Cans" typeface="Euphemia"/>
-        <a:font script="Cher" typeface="Plantagenet Cherokee"/>
-        <a:font script="Yiii" typeface="Microsoft Yi Baiti"/>
-        <a:font script="Tibt" typeface="Microsoft Himalaya"/>
-        <a:font script="Thaa" typeface="MV Boli"/>
-        <a:font script="Deva" typeface="Mangal"/>
-        <a:font script="Telu" typeface="Gautami"/>
-        <a:font script="Taml" typeface="Latha"/>
-        <a:font script="Syrc" typeface="Estrangelo Edessa"/>
-        <a:font script="Orya" typeface="Kalinga"/>
-        <a:font script="Mlym" typeface="Kartika"/>
-        <a:font script="Laoo" typeface="DokChampa"/>
-        <a:font script="Sinh" typeface="Iskoola Pota"/>
-        <a:font script="Mong" typeface="Mongolian Baiti"/>
-        <a:font script="Viet" typeface="Arial"/>
-        <a:font script="Uigh" typeface="Microsoft Uighur"/>
-        <a:font script="Geor" typeface="Sylfaen"/>
-      </a:minorFont>
-    </a:fontScheme>
-    <a:fmtScheme name="Office">
-      <a:fillStyleLst>
-        <a:solidFill>
-          <a:schemeClr val="phClr"/>
-        </a:solidFill>
-        <a:gradFill rotWithShape="1">
-          <a:gsLst>
-            <a:gs pos="0">
-              <a:schemeClr val="phClr">
-                <a:tint val="50000"/>
-                <a:satMod val="300000"/>
-              </a:schemeClr>
-            </a:gs>
-            <a:gs pos="35000">
-              <a:schemeClr val="phClr">
-                <a:tint val="37000"/>
-                <a:satMod val="300000"/>
-              </a:schemeClr>
-            </a:gs>
-            <a:gs pos="100000">
-              <a:schemeClr val="phClr">
-                <a:tint val="15000"/>
-                <a:satMod val="350000"/>
-              </a:schemeClr>
-            </a:gs>
-          </a:gsLst>
-          <a:lin ang="16200000" scaled="1"/>
-        </a:gradFill>
-        <a:gradFill rotWithShape="1">
-          <a:gsLst>
-            <a:gs pos="0">
-              <a:schemeClr val="phClr">
-                <a:tint val="100000"/>
-                <a:shade val="100000"/>
-                <a:satMod val="130000"/>
-              </a:schemeClr>
-            </a:gs>
-            <a:gs pos="100000">
-              <a:schemeClr val="phClr">
-                <a:tint val="50000"/>
-                <a:shade val="100000"/>
-                <a:satMod val="350000"/>
-              </a:schemeClr>
-            </a:gs>
-          </a:gsLst>
-          <a:lin ang="16200000" scaled="0"/>
-        </a:gradFill>
-      </a:fillStyleLst>
-      <a:lnStyleLst>
-        <a:ln w="9525" cap="flat" cmpd="sng" algn="ctr">
-          <a:solidFill>
-            <a:schemeClr val="phClr">
-              <a:shade val="95000"/>
-              <a:satMod val="105000"/>
-            </a:schemeClr>
-          </a:solidFill>
-          <a:prstDash val="solid"/>
-        </a:ln>
-        <a:ln w="25400" cap="flat" cmpd="sng" algn="ctr">
-          <a:solidFill>
-            <a:schemeClr val="phClr"/>
-          </a:solidFill>
-          <a:prstDash val="solid"/>
-        </a:ln>
-        <a:ln w="38100" cap="flat" cmpd="sng" algn="ctr">
-          <a:solidFill>
-            <a:schemeClr val="phClr"/>
-          </a:solidFill>
-          <a:prstDash val="solid"/>
-        </a:ln>
-      </a:lnStyleLst>
-      <a:effectStyleLst>
-        <a:effectStyle>
-          <a:effectLst>
-            <a:outerShdw blurRad="40000" dist="20000" dir="5400000" rotWithShape="0">
-              <a:srgbClr val="000000">
-                <a:alpha val="38000"/>
-              </a:srgbClr>
-            </a:outerShdw>
-          </a:effectLst>
-        </a:effectStyle>
-        <a:effectStyle>
-          <a:effectLst>
-            <a:outerShdw blurRad="40000" dist="23000" dir="5400000" rotWithShape="0">
-              <a:srgbClr val="000000">
-                <a:alpha val="35000"/>
-              </a:srgbClr>
-            </a:outerShdw>
-          </a:effectLst>
-        </a:effectStyle>
-        <a:effectStyle>
-          <a:effectLst>
-            <a:outerShdw blurRad="40000" dist="23000" dir="5400000" rotWithShape="0">
-              <a:srgbClr val="000000">
-                <a:alpha val="35000"/>
-              </a:srgbClr>
-            </a:outerShdw>
-          </a:effectLst>
-          <a:scene3d>
-            <a:camera prst="orthographicFront">
-              <a:rot lat="0" lon="0" rev="0"/>
-            </a:camera>
-            <a:lightRig rig="threePt" dir="t">
-              <a:rot lat="0" lon="0" rev="1200000"/>
-            </a:lightRig>
-          </a:scene3d>
-          <a:sp3d>
-            <a:bevelT w="63500" h="25400"/>
-          </a:sp3d>
-        </a:effectStyle>
-      </a:effectStyleLst>
-      <a:bgFillStyleLst>
-        <a:solidFill>
-          <a:schemeClr val="phClr"/>
-        </a:solidFill>
-        <a:gradFill rotWithShape="1">
-          <a:gsLst>
-            <a:gs pos="0">
-              <a:schemeClr val="phClr">
-                <a:tint val="40000"/>
-                <a:satMod val="350000"/>
-              </a:schemeClr>
-            </a:gs>
-            <a:gs pos="40000">
-              <a:schemeClr val="phClr">
-                <a:tint val="45000"/>
-                <a:shade val="99000"/>
-                <a:satMod val="350000"/>
-              </a:schemeClr>
-            </a:gs>
-            <a:gs pos="100000">
-              <a:schemeClr val="phClr">
-                <a:shade val="20000"/>
-                <a:satMod val="255000"/>
-              </a:schemeClr>
-            </a:gs>
-          </a:gsLst>
-          <a:path path="circle">
-            <a:fillToRect l="50000" t="-80000" r="50000" b="180000"/>
-          </a:path>
-        </a:gradFill>
-        <a:gradFill rotWithShape="1">
-          <a:gsLst>
-            <a:gs pos="0">
-              <a:schemeClr val="phClr">
-                <a:tint val="80000"/>
-                <a:satMod val="300000"/>
-              </a:schemeClr>
-            </a:gs>
-            <a:gs pos="100000">
-              <a:schemeClr val="phClr">
-                <a:shade val="30000"/>
-                <a:satMod val="200000"/>
-              </a:schemeClr>
-            </a:gs>
-          </a:gsLst>
-          <a:path path="circle">
-            <a:fillToRect l="50000" t="50000" r="50000" b="50000"/>
-          </a:path>
-        </a:gradFill>
-      </a:bgFillStyleLst>
-    </a:fmtScheme>
-  </a:themeElements>
-</a:theme>
 </file>